--- a/FinalPresentation.pptx
+++ b/FinalPresentation.pptx
@@ -14433,7 +14433,7 @@
             <a:tbl>
               <a:tblPr>
                 <a:noFill/>
-                <a:tableStyleId>{DE4A13C3-26A0-451B-89A5-FFE0E57F0C33}</a:tableStyleId>
+                <a:tableStyleId>{E4037B70-0A39-48CE-9C81-926219271E9A}</a:tableStyleId>
               </a:tblPr>
               <a:tblGrid>
                 <a:gridCol w="2092725"/>
